--- a/output.pptx
+++ b/output.pptx
@@ -3395,7 +3395,7 @@
           <a:p>
             <a:r>
               <a:rPr lang="en-US"/>
-              <a:t>이거슨 제목일겁니다.</a:t>
+              <a:t>title</a:t>
             </a:r>
             <a:endParaRPr altLang="en-US" dirty="0" lang="ko-KR"/>
           </a:p>
